--- a/make_presentation/templates/templates/minima/start.pptx
+++ b/make_presentation/templates/templates/minima/start.pptx
@@ -7,7 +7,7 @@
   <p:sldIdLst>
     <p:sldId id="256" r:id="rId3"/>
   </p:sldIdLst>
-  <p:sldSz cx="12192000" cy="6858000"/>
+  <p:sldSz cx="9144000" cy="5148263"/>
   <p:notesSz cx="7559675" cy="10691813"/>
 </p:presentation>
 </file>
@@ -36,7 +36,7 @@
             <a:spLocks noGrp="1"/>
           </p:cNvSpPr>
           <p:nvPr>
-            <p:ph type="ftr" idx="2"/>
+            <p:ph type="ftr" idx="1"/>
           </p:nvPr>
         </p:nvSpPr>
         <p:spPr/>
@@ -56,14 +56,14 @@
             <a:spLocks noGrp="1"/>
           </p:cNvSpPr>
           <p:nvPr>
-            <p:ph type="sldNum" idx="3"/>
+            <p:ph type="sldNum" idx="2"/>
           </p:nvPr>
         </p:nvSpPr>
         <p:spPr/>
         <p:txBody>
           <a:bodyPr/>
           <a:p>
-            <a:fld id="{3286E7AF-F0B0-45FF-84A3-AEF6E9843A54}" type="slidenum">
+            <a:fld id="{9D5583A2-563F-4645-8F6C-AE8F03A1E76D}" type="slidenum">
               <a:t>&lt;#&gt;</a:t>
             </a:fld>
           </a:p>
@@ -76,7 +76,7 @@
             <a:spLocks noGrp="1"/>
           </p:cNvSpPr>
           <p:nvPr>
-            <p:ph type="dt" idx="1"/>
+            <p:ph type="dt" idx="3"/>
           </p:nvPr>
         </p:nvSpPr>
         <p:spPr/>
@@ -124,8 +124,8 @@
         </p:nvSpPr>
         <p:spPr>
           <a:xfrm>
-            <a:off x="609480" y="273600"/>
-            <a:ext cx="10972440" cy="1144800"/>
+            <a:off x="457200" y="205200"/>
+            <a:ext cx="8229240" cy="859320"/>
           </a:xfrm>
           <a:prstGeom prst="rect">
             <a:avLst/>
@@ -144,7 +144,7 @@
               <a:solidFill>
                 <a:srgbClr val="000000"/>
               </a:solidFill>
-              <a:latin typeface="Calibri"/>
+              <a:latin typeface="Arial"/>
             </a:endParaRPr>
           </a:p>
         </p:txBody>
@@ -161,8 +161,8 @@
         </p:nvSpPr>
         <p:spPr>
           <a:xfrm>
-            <a:off x="609480" y="1604520"/>
-            <a:ext cx="10972440" cy="1896840"/>
+            <a:off x="457200" y="1204560"/>
+            <a:ext cx="8229240" cy="1423800"/>
           </a:xfrm>
           <a:prstGeom prst="rect">
             <a:avLst/>
@@ -190,7 +190,7 @@
               <a:solidFill>
                 <a:srgbClr val="000000"/>
               </a:solidFill>
-              <a:latin typeface="Calibri"/>
+              <a:latin typeface="Arial"/>
             </a:endParaRPr>
           </a:p>
         </p:txBody>
@@ -207,8 +207,8 @@
         </p:nvSpPr>
         <p:spPr>
           <a:xfrm>
-            <a:off x="609480" y="3682080"/>
-            <a:ext cx="10972440" cy="1896840"/>
+            <a:off x="457200" y="2764080"/>
+            <a:ext cx="8229240" cy="1423800"/>
           </a:xfrm>
           <a:prstGeom prst="rect">
             <a:avLst/>
@@ -236,7 +236,7 @@
               <a:solidFill>
                 <a:srgbClr val="000000"/>
               </a:solidFill>
-              <a:latin typeface="Calibri"/>
+              <a:latin typeface="Arial"/>
             </a:endParaRPr>
           </a:p>
         </p:txBody>
@@ -248,7 +248,7 @@
             <a:spLocks noGrp="1"/>
           </p:cNvSpPr>
           <p:nvPr>
-            <p:ph type="ftr" idx="2"/>
+            <p:ph type="ftr" idx="1"/>
           </p:nvPr>
         </p:nvSpPr>
         <p:spPr/>
@@ -268,14 +268,14 @@
             <a:spLocks noGrp="1"/>
           </p:cNvSpPr>
           <p:nvPr>
-            <p:ph type="sldNum" idx="3"/>
+            <p:ph type="sldNum" idx="2"/>
           </p:nvPr>
         </p:nvSpPr>
         <p:spPr/>
         <p:txBody>
           <a:bodyPr/>
           <a:p>
-            <a:fld id="{395BE285-0E78-4C51-BA8F-EFD0586C94EE}" type="slidenum">
+            <a:fld id="{26E140CF-5BF6-42E3-A0BB-FDF7731A62D6}" type="slidenum">
               <a:t>&lt;#&gt;</a:t>
             </a:fld>
           </a:p>
@@ -288,7 +288,7 @@
             <a:spLocks noGrp="1"/>
           </p:cNvSpPr>
           <p:nvPr>
-            <p:ph type="dt" idx="1"/>
+            <p:ph type="dt" idx="3"/>
           </p:nvPr>
         </p:nvSpPr>
         <p:spPr/>
@@ -336,8 +336,8 @@
         </p:nvSpPr>
         <p:spPr>
           <a:xfrm>
-            <a:off x="609480" y="273600"/>
-            <a:ext cx="10972440" cy="1144800"/>
+            <a:off x="457200" y="205200"/>
+            <a:ext cx="8229240" cy="859320"/>
           </a:xfrm>
           <a:prstGeom prst="rect">
             <a:avLst/>
@@ -356,7 +356,7 @@
               <a:solidFill>
                 <a:srgbClr val="000000"/>
               </a:solidFill>
-              <a:latin typeface="Calibri"/>
+              <a:latin typeface="Arial"/>
             </a:endParaRPr>
           </a:p>
         </p:txBody>
@@ -373,8 +373,8 @@
         </p:nvSpPr>
         <p:spPr>
           <a:xfrm>
-            <a:off x="609480" y="1604520"/>
-            <a:ext cx="5354280" cy="1896840"/>
+            <a:off x="457200" y="1204560"/>
+            <a:ext cx="4015800" cy="1423800"/>
           </a:xfrm>
           <a:prstGeom prst="rect">
             <a:avLst/>
@@ -402,7 +402,7 @@
               <a:solidFill>
                 <a:srgbClr val="000000"/>
               </a:solidFill>
-              <a:latin typeface="Calibri"/>
+              <a:latin typeface="Arial"/>
             </a:endParaRPr>
           </a:p>
         </p:txBody>
@@ -419,8 +419,8 @@
         </p:nvSpPr>
         <p:spPr>
           <a:xfrm>
-            <a:off x="6231960" y="1604520"/>
-            <a:ext cx="5354280" cy="1896840"/>
+            <a:off x="4674240" y="1204560"/>
+            <a:ext cx="4015800" cy="1423800"/>
           </a:xfrm>
           <a:prstGeom prst="rect">
             <a:avLst/>
@@ -448,7 +448,7 @@
               <a:solidFill>
                 <a:srgbClr val="000000"/>
               </a:solidFill>
-              <a:latin typeface="Calibri"/>
+              <a:latin typeface="Arial"/>
             </a:endParaRPr>
           </a:p>
         </p:txBody>
@@ -465,8 +465,8 @@
         </p:nvSpPr>
         <p:spPr>
           <a:xfrm>
-            <a:off x="609480" y="3682080"/>
-            <a:ext cx="5354280" cy="1896840"/>
+            <a:off x="457200" y="2764080"/>
+            <a:ext cx="4015800" cy="1423800"/>
           </a:xfrm>
           <a:prstGeom prst="rect">
             <a:avLst/>
@@ -494,7 +494,7 @@
               <a:solidFill>
                 <a:srgbClr val="000000"/>
               </a:solidFill>
-              <a:latin typeface="Calibri"/>
+              <a:latin typeface="Arial"/>
             </a:endParaRPr>
           </a:p>
         </p:txBody>
@@ -511,8 +511,8 @@
         </p:nvSpPr>
         <p:spPr>
           <a:xfrm>
-            <a:off x="6231960" y="3682080"/>
-            <a:ext cx="5354280" cy="1896840"/>
+            <a:off x="4674240" y="2764080"/>
+            <a:ext cx="4015800" cy="1423800"/>
           </a:xfrm>
           <a:prstGeom prst="rect">
             <a:avLst/>
@@ -540,7 +540,7 @@
               <a:solidFill>
                 <a:srgbClr val="000000"/>
               </a:solidFill>
-              <a:latin typeface="Calibri"/>
+              <a:latin typeface="Arial"/>
             </a:endParaRPr>
           </a:p>
         </p:txBody>
@@ -552,7 +552,7 @@
             <a:spLocks noGrp="1"/>
           </p:cNvSpPr>
           <p:nvPr>
-            <p:ph type="ftr" idx="2"/>
+            <p:ph type="ftr" idx="1"/>
           </p:nvPr>
         </p:nvSpPr>
         <p:spPr/>
@@ -572,14 +572,14 @@
             <a:spLocks noGrp="1"/>
           </p:cNvSpPr>
           <p:nvPr>
-            <p:ph type="sldNum" idx="3"/>
+            <p:ph type="sldNum" idx="2"/>
           </p:nvPr>
         </p:nvSpPr>
         <p:spPr/>
         <p:txBody>
           <a:bodyPr/>
           <a:p>
-            <a:fld id="{3CD66588-D1A9-4A46-9F01-23F4A52A6CF2}" type="slidenum">
+            <a:fld id="{F23F9C23-B6E8-4272-BC7F-B7AD224E24EC}" type="slidenum">
               <a:t>&lt;#&gt;</a:t>
             </a:fld>
           </a:p>
@@ -592,7 +592,7 @@
             <a:spLocks noGrp="1"/>
           </p:cNvSpPr>
           <p:nvPr>
-            <p:ph type="dt" idx="1"/>
+            <p:ph type="dt" idx="3"/>
           </p:nvPr>
         </p:nvSpPr>
         <p:spPr/>
@@ -640,8 +640,8 @@
         </p:nvSpPr>
         <p:spPr>
           <a:xfrm>
-            <a:off x="609480" y="273600"/>
-            <a:ext cx="10972440" cy="1144800"/>
+            <a:off x="457200" y="205200"/>
+            <a:ext cx="8229240" cy="859320"/>
           </a:xfrm>
           <a:prstGeom prst="rect">
             <a:avLst/>
@@ -660,7 +660,7 @@
               <a:solidFill>
                 <a:srgbClr val="000000"/>
               </a:solidFill>
-              <a:latin typeface="Calibri"/>
+              <a:latin typeface="Arial"/>
             </a:endParaRPr>
           </a:p>
         </p:txBody>
@@ -677,8 +677,8 @@
         </p:nvSpPr>
         <p:spPr>
           <a:xfrm>
-            <a:off x="609480" y="1604520"/>
-            <a:ext cx="3533040" cy="1896840"/>
+            <a:off x="457200" y="1204560"/>
+            <a:ext cx="2649600" cy="1423800"/>
           </a:xfrm>
           <a:prstGeom prst="rect">
             <a:avLst/>
@@ -706,7 +706,7 @@
               <a:solidFill>
                 <a:srgbClr val="000000"/>
               </a:solidFill>
-              <a:latin typeface="Calibri"/>
+              <a:latin typeface="Arial"/>
             </a:endParaRPr>
           </a:p>
         </p:txBody>
@@ -723,8 +723,8 @@
         </p:nvSpPr>
         <p:spPr>
           <a:xfrm>
-            <a:off x="4319640" y="1604520"/>
-            <a:ext cx="3533040" cy="1896840"/>
+            <a:off x="3239640" y="1204560"/>
+            <a:ext cx="2649600" cy="1423800"/>
           </a:xfrm>
           <a:prstGeom prst="rect">
             <a:avLst/>
@@ -752,7 +752,7 @@
               <a:solidFill>
                 <a:srgbClr val="000000"/>
               </a:solidFill>
-              <a:latin typeface="Calibri"/>
+              <a:latin typeface="Arial"/>
             </a:endParaRPr>
           </a:p>
         </p:txBody>
@@ -769,8 +769,8 @@
         </p:nvSpPr>
         <p:spPr>
           <a:xfrm>
-            <a:off x="8029800" y="1604520"/>
-            <a:ext cx="3533040" cy="1896840"/>
+            <a:off x="6022080" y="1204560"/>
+            <a:ext cx="2649600" cy="1423800"/>
           </a:xfrm>
           <a:prstGeom prst="rect">
             <a:avLst/>
@@ -798,7 +798,7 @@
               <a:solidFill>
                 <a:srgbClr val="000000"/>
               </a:solidFill>
-              <a:latin typeface="Calibri"/>
+              <a:latin typeface="Arial"/>
             </a:endParaRPr>
           </a:p>
         </p:txBody>
@@ -815,8 +815,8 @@
         </p:nvSpPr>
         <p:spPr>
           <a:xfrm>
-            <a:off x="609480" y="3682080"/>
-            <a:ext cx="3533040" cy="1896840"/>
+            <a:off x="457200" y="2764080"/>
+            <a:ext cx="2649600" cy="1423800"/>
           </a:xfrm>
           <a:prstGeom prst="rect">
             <a:avLst/>
@@ -844,7 +844,7 @@
               <a:solidFill>
                 <a:srgbClr val="000000"/>
               </a:solidFill>
-              <a:latin typeface="Calibri"/>
+              <a:latin typeface="Arial"/>
             </a:endParaRPr>
           </a:p>
         </p:txBody>
@@ -861,8 +861,8 @@
         </p:nvSpPr>
         <p:spPr>
           <a:xfrm>
-            <a:off x="4319640" y="3682080"/>
-            <a:ext cx="3533040" cy="1896840"/>
+            <a:off x="3239640" y="2764080"/>
+            <a:ext cx="2649600" cy="1423800"/>
           </a:xfrm>
           <a:prstGeom prst="rect">
             <a:avLst/>
@@ -890,7 +890,7 @@
               <a:solidFill>
                 <a:srgbClr val="000000"/>
               </a:solidFill>
-              <a:latin typeface="Calibri"/>
+              <a:latin typeface="Arial"/>
             </a:endParaRPr>
           </a:p>
         </p:txBody>
@@ -907,8 +907,8 @@
         </p:nvSpPr>
         <p:spPr>
           <a:xfrm>
-            <a:off x="8029800" y="3682080"/>
-            <a:ext cx="3533040" cy="1896840"/>
+            <a:off x="6022080" y="2764080"/>
+            <a:ext cx="2649600" cy="1423800"/>
           </a:xfrm>
           <a:prstGeom prst="rect">
             <a:avLst/>
@@ -936,7 +936,7 @@
               <a:solidFill>
                 <a:srgbClr val="000000"/>
               </a:solidFill>
-              <a:latin typeface="Calibri"/>
+              <a:latin typeface="Arial"/>
             </a:endParaRPr>
           </a:p>
         </p:txBody>
@@ -948,7 +948,7 @@
             <a:spLocks noGrp="1"/>
           </p:cNvSpPr>
           <p:nvPr>
-            <p:ph type="ftr" idx="2"/>
+            <p:ph type="ftr" idx="1"/>
           </p:nvPr>
         </p:nvSpPr>
         <p:spPr/>
@@ -968,14 +968,14 @@
             <a:spLocks noGrp="1"/>
           </p:cNvSpPr>
           <p:nvPr>
-            <p:ph type="sldNum" idx="3"/>
+            <p:ph type="sldNum" idx="2"/>
           </p:nvPr>
         </p:nvSpPr>
         <p:spPr/>
         <p:txBody>
           <a:bodyPr/>
           <a:p>
-            <a:fld id="{3FF0A123-5AFA-4B05-9822-DD73DFA8DDA5}" type="slidenum">
+            <a:fld id="{7FF52AC3-5917-49C2-965C-7455CDD05B89}" type="slidenum">
               <a:t>&lt;#&gt;</a:t>
             </a:fld>
           </a:p>
@@ -988,7 +988,7 @@
             <a:spLocks noGrp="1"/>
           </p:cNvSpPr>
           <p:nvPr>
-            <p:ph type="dt" idx="1"/>
+            <p:ph type="dt" idx="3"/>
           </p:nvPr>
         </p:nvSpPr>
         <p:spPr/>
@@ -1036,8 +1036,8 @@
         </p:nvSpPr>
         <p:spPr>
           <a:xfrm>
-            <a:off x="609480" y="273600"/>
-            <a:ext cx="10972440" cy="1144800"/>
+            <a:off x="457200" y="205200"/>
+            <a:ext cx="8229240" cy="859320"/>
           </a:xfrm>
           <a:prstGeom prst="rect">
             <a:avLst/>
@@ -1056,7 +1056,7 @@
               <a:solidFill>
                 <a:srgbClr val="000000"/>
               </a:solidFill>
-              <a:latin typeface="Calibri"/>
+              <a:latin typeface="Arial"/>
             </a:endParaRPr>
           </a:p>
         </p:txBody>
@@ -1073,8 +1073,8 @@
         </p:nvSpPr>
         <p:spPr>
           <a:xfrm>
-            <a:off x="609480" y="1604520"/>
-            <a:ext cx="10972440" cy="3977280"/>
+            <a:off x="457200" y="1204560"/>
+            <a:ext cx="8229240" cy="2985480"/>
           </a:xfrm>
           <a:prstGeom prst="rect">
             <a:avLst/>
@@ -1105,7 +1105,7 @@
             <a:spLocks noGrp="1"/>
           </p:cNvSpPr>
           <p:nvPr>
-            <p:ph type="ftr" idx="2"/>
+            <p:ph type="ftr" idx="1"/>
           </p:nvPr>
         </p:nvSpPr>
         <p:spPr/>
@@ -1125,14 +1125,14 @@
             <a:spLocks noGrp="1"/>
           </p:cNvSpPr>
           <p:nvPr>
-            <p:ph type="sldNum" idx="3"/>
+            <p:ph type="sldNum" idx="2"/>
           </p:nvPr>
         </p:nvSpPr>
         <p:spPr/>
         <p:txBody>
           <a:bodyPr/>
           <a:p>
-            <a:fld id="{CAE1B0C0-111F-4BC5-B9C6-C722F3FF409A}" type="slidenum">
+            <a:fld id="{1EBB34C0-C6C1-4B3A-8652-433E1B6BA0E4}" type="slidenum">
               <a:t>&lt;#&gt;</a:t>
             </a:fld>
           </a:p>
@@ -1145,7 +1145,7 @@
             <a:spLocks noGrp="1"/>
           </p:cNvSpPr>
           <p:nvPr>
-            <p:ph type="dt" idx="1"/>
+            <p:ph type="dt" idx="3"/>
           </p:nvPr>
         </p:nvSpPr>
         <p:spPr/>
@@ -1193,8 +1193,8 @@
         </p:nvSpPr>
         <p:spPr>
           <a:xfrm>
-            <a:off x="609480" y="273600"/>
-            <a:ext cx="10972440" cy="1144800"/>
+            <a:off x="457200" y="205200"/>
+            <a:ext cx="8229240" cy="859320"/>
           </a:xfrm>
           <a:prstGeom prst="rect">
             <a:avLst/>
@@ -1213,7 +1213,7 @@
               <a:solidFill>
                 <a:srgbClr val="000000"/>
               </a:solidFill>
-              <a:latin typeface="Calibri"/>
+              <a:latin typeface="Arial"/>
             </a:endParaRPr>
           </a:p>
         </p:txBody>
@@ -1230,8 +1230,8 @@
         </p:nvSpPr>
         <p:spPr>
           <a:xfrm>
-            <a:off x="609480" y="1604520"/>
-            <a:ext cx="10972440" cy="3977280"/>
+            <a:off x="457200" y="1204560"/>
+            <a:ext cx="8229240" cy="2985480"/>
           </a:xfrm>
           <a:prstGeom prst="rect">
             <a:avLst/>
@@ -1259,7 +1259,7 @@
               <a:solidFill>
                 <a:srgbClr val="000000"/>
               </a:solidFill>
-              <a:latin typeface="Calibri"/>
+              <a:latin typeface="Arial"/>
             </a:endParaRPr>
           </a:p>
         </p:txBody>
@@ -1271,7 +1271,7 @@
             <a:spLocks noGrp="1"/>
           </p:cNvSpPr>
           <p:nvPr>
-            <p:ph type="ftr" idx="2"/>
+            <p:ph type="ftr" idx="1"/>
           </p:nvPr>
         </p:nvSpPr>
         <p:spPr/>
@@ -1291,14 +1291,14 @@
             <a:spLocks noGrp="1"/>
           </p:cNvSpPr>
           <p:nvPr>
-            <p:ph type="sldNum" idx="3"/>
+            <p:ph type="sldNum" idx="2"/>
           </p:nvPr>
         </p:nvSpPr>
         <p:spPr/>
         <p:txBody>
           <a:bodyPr/>
           <a:p>
-            <a:fld id="{EFEEC036-A33A-4F81-85C1-4F391EE8FF17}" type="slidenum">
+            <a:fld id="{C914DCD2-EF74-4397-BB4E-6DA3C8A551C1}" type="slidenum">
               <a:t>&lt;#&gt;</a:t>
             </a:fld>
           </a:p>
@@ -1311,7 +1311,7 @@
             <a:spLocks noGrp="1"/>
           </p:cNvSpPr>
           <p:nvPr>
-            <p:ph type="dt" idx="1"/>
+            <p:ph type="dt" idx="3"/>
           </p:nvPr>
         </p:nvSpPr>
         <p:spPr/>
@@ -1359,8 +1359,8 @@
         </p:nvSpPr>
         <p:spPr>
           <a:xfrm>
-            <a:off x="609480" y="273600"/>
-            <a:ext cx="10972440" cy="1144800"/>
+            <a:off x="457200" y="205200"/>
+            <a:ext cx="8229240" cy="859320"/>
           </a:xfrm>
           <a:prstGeom prst="rect">
             <a:avLst/>
@@ -1379,7 +1379,7 @@
               <a:solidFill>
                 <a:srgbClr val="000000"/>
               </a:solidFill>
-              <a:latin typeface="Calibri"/>
+              <a:latin typeface="Arial"/>
             </a:endParaRPr>
           </a:p>
         </p:txBody>
@@ -1396,8 +1396,8 @@
         </p:nvSpPr>
         <p:spPr>
           <a:xfrm>
-            <a:off x="609480" y="1604520"/>
-            <a:ext cx="5354280" cy="3977280"/>
+            <a:off x="457200" y="1204560"/>
+            <a:ext cx="4015800" cy="2985480"/>
           </a:xfrm>
           <a:prstGeom prst="rect">
             <a:avLst/>
@@ -1425,7 +1425,7 @@
               <a:solidFill>
                 <a:srgbClr val="000000"/>
               </a:solidFill>
-              <a:latin typeface="Calibri"/>
+              <a:latin typeface="Arial"/>
             </a:endParaRPr>
           </a:p>
         </p:txBody>
@@ -1442,8 +1442,8 @@
         </p:nvSpPr>
         <p:spPr>
           <a:xfrm>
-            <a:off x="6231960" y="1604520"/>
-            <a:ext cx="5354280" cy="3977280"/>
+            <a:off x="4674240" y="1204560"/>
+            <a:ext cx="4015800" cy="2985480"/>
           </a:xfrm>
           <a:prstGeom prst="rect">
             <a:avLst/>
@@ -1471,7 +1471,7 @@
               <a:solidFill>
                 <a:srgbClr val="000000"/>
               </a:solidFill>
-              <a:latin typeface="Calibri"/>
+              <a:latin typeface="Arial"/>
             </a:endParaRPr>
           </a:p>
         </p:txBody>
@@ -1483,7 +1483,7 @@
             <a:spLocks noGrp="1"/>
           </p:cNvSpPr>
           <p:nvPr>
-            <p:ph type="ftr" idx="2"/>
+            <p:ph type="ftr" idx="1"/>
           </p:nvPr>
         </p:nvSpPr>
         <p:spPr/>
@@ -1503,14 +1503,14 @@
             <a:spLocks noGrp="1"/>
           </p:cNvSpPr>
           <p:nvPr>
-            <p:ph type="sldNum" idx="3"/>
+            <p:ph type="sldNum" idx="2"/>
           </p:nvPr>
         </p:nvSpPr>
         <p:spPr/>
         <p:txBody>
           <a:bodyPr/>
           <a:p>
-            <a:fld id="{4CE11133-9BBD-4B08-9667-CAED6FBEB7AB}" type="slidenum">
+            <a:fld id="{38C35EE5-51D0-46EA-B233-89BD0504DB0E}" type="slidenum">
               <a:t>&lt;#&gt;</a:t>
             </a:fld>
           </a:p>
@@ -1523,7 +1523,7 @@
             <a:spLocks noGrp="1"/>
           </p:cNvSpPr>
           <p:nvPr>
-            <p:ph type="dt" idx="1"/>
+            <p:ph type="dt" idx="3"/>
           </p:nvPr>
         </p:nvSpPr>
         <p:spPr/>
@@ -1571,8 +1571,8 @@
         </p:nvSpPr>
         <p:spPr>
           <a:xfrm>
-            <a:off x="609480" y="273600"/>
-            <a:ext cx="10972440" cy="1144800"/>
+            <a:off x="457200" y="205200"/>
+            <a:ext cx="8229240" cy="859320"/>
           </a:xfrm>
           <a:prstGeom prst="rect">
             <a:avLst/>
@@ -1591,7 +1591,7 @@
               <a:solidFill>
                 <a:srgbClr val="000000"/>
               </a:solidFill>
-              <a:latin typeface="Calibri"/>
+              <a:latin typeface="Arial"/>
             </a:endParaRPr>
           </a:p>
         </p:txBody>
@@ -1603,7 +1603,7 @@
             <a:spLocks noGrp="1"/>
           </p:cNvSpPr>
           <p:nvPr>
-            <p:ph type="ftr" idx="2"/>
+            <p:ph type="ftr" idx="1"/>
           </p:nvPr>
         </p:nvSpPr>
         <p:spPr/>
@@ -1623,14 +1623,14 @@
             <a:spLocks noGrp="1"/>
           </p:cNvSpPr>
           <p:nvPr>
-            <p:ph type="sldNum" idx="3"/>
+            <p:ph type="sldNum" idx="2"/>
           </p:nvPr>
         </p:nvSpPr>
         <p:spPr/>
         <p:txBody>
           <a:bodyPr/>
           <a:p>
-            <a:fld id="{8BDF4DE4-A9B1-4150-B2AB-123F1D453D1D}" type="slidenum">
+            <a:fld id="{EFC19E60-0EE4-49FC-955E-0CB7408A2D99}" type="slidenum">
               <a:t>&lt;#&gt;</a:t>
             </a:fld>
           </a:p>
@@ -1643,7 +1643,7 @@
             <a:spLocks noGrp="1"/>
           </p:cNvSpPr>
           <p:nvPr>
-            <p:ph type="dt" idx="1"/>
+            <p:ph type="dt" idx="3"/>
           </p:nvPr>
         </p:nvSpPr>
         <p:spPr/>
@@ -1691,8 +1691,8 @@
         </p:nvSpPr>
         <p:spPr>
           <a:xfrm>
-            <a:off x="609480" y="273600"/>
-            <a:ext cx="10972440" cy="5307840"/>
+            <a:off x="457200" y="205200"/>
+            <a:ext cx="8229240" cy="3984480"/>
           </a:xfrm>
           <a:prstGeom prst="rect">
             <a:avLst/>
@@ -1723,7 +1723,7 @@
             <a:spLocks noGrp="1"/>
           </p:cNvSpPr>
           <p:nvPr>
-            <p:ph type="ftr" idx="2"/>
+            <p:ph type="ftr" idx="1"/>
           </p:nvPr>
         </p:nvSpPr>
         <p:spPr/>
@@ -1743,14 +1743,14 @@
             <a:spLocks noGrp="1"/>
           </p:cNvSpPr>
           <p:nvPr>
-            <p:ph type="sldNum" idx="3"/>
+            <p:ph type="sldNum" idx="2"/>
           </p:nvPr>
         </p:nvSpPr>
         <p:spPr/>
         <p:txBody>
           <a:bodyPr/>
           <a:p>
-            <a:fld id="{F718AA8A-4A0F-451F-BAE1-672528B2A5CD}" type="slidenum">
+            <a:fld id="{8E2E7540-DBFF-44F8-95A4-F0189125BAA7}" type="slidenum">
               <a:t>&lt;#&gt;</a:t>
             </a:fld>
           </a:p>
@@ -1763,7 +1763,7 @@
             <a:spLocks noGrp="1"/>
           </p:cNvSpPr>
           <p:nvPr>
-            <p:ph type="dt" idx="1"/>
+            <p:ph type="dt" idx="3"/>
           </p:nvPr>
         </p:nvSpPr>
         <p:spPr/>
@@ -1811,8 +1811,8 @@
         </p:nvSpPr>
         <p:spPr>
           <a:xfrm>
-            <a:off x="609480" y="273600"/>
-            <a:ext cx="10972440" cy="1144800"/>
+            <a:off x="457200" y="205200"/>
+            <a:ext cx="8229240" cy="859320"/>
           </a:xfrm>
           <a:prstGeom prst="rect">
             <a:avLst/>
@@ -1831,7 +1831,7 @@
               <a:solidFill>
                 <a:srgbClr val="000000"/>
               </a:solidFill>
-              <a:latin typeface="Calibri"/>
+              <a:latin typeface="Arial"/>
             </a:endParaRPr>
           </a:p>
         </p:txBody>
@@ -1848,8 +1848,8 @@
         </p:nvSpPr>
         <p:spPr>
           <a:xfrm>
-            <a:off x="609480" y="1604520"/>
-            <a:ext cx="5354280" cy="1896840"/>
+            <a:off x="457200" y="1204560"/>
+            <a:ext cx="4015800" cy="1423800"/>
           </a:xfrm>
           <a:prstGeom prst="rect">
             <a:avLst/>
@@ -1877,7 +1877,7 @@
               <a:solidFill>
                 <a:srgbClr val="000000"/>
               </a:solidFill>
-              <a:latin typeface="Calibri"/>
+              <a:latin typeface="Arial"/>
             </a:endParaRPr>
           </a:p>
         </p:txBody>
@@ -1894,8 +1894,8 @@
         </p:nvSpPr>
         <p:spPr>
           <a:xfrm>
-            <a:off x="6231960" y="1604520"/>
-            <a:ext cx="5354280" cy="3977280"/>
+            <a:off x="4674240" y="1204560"/>
+            <a:ext cx="4015800" cy="2985480"/>
           </a:xfrm>
           <a:prstGeom prst="rect">
             <a:avLst/>
@@ -1923,7 +1923,7 @@
               <a:solidFill>
                 <a:srgbClr val="000000"/>
               </a:solidFill>
-              <a:latin typeface="Calibri"/>
+              <a:latin typeface="Arial"/>
             </a:endParaRPr>
           </a:p>
         </p:txBody>
@@ -1940,8 +1940,8 @@
         </p:nvSpPr>
         <p:spPr>
           <a:xfrm>
-            <a:off x="609480" y="3682080"/>
-            <a:ext cx="5354280" cy="1896840"/>
+            <a:off x="457200" y="2764080"/>
+            <a:ext cx="4015800" cy="1423800"/>
           </a:xfrm>
           <a:prstGeom prst="rect">
             <a:avLst/>
@@ -1969,7 +1969,7 @@
               <a:solidFill>
                 <a:srgbClr val="000000"/>
               </a:solidFill>
-              <a:latin typeface="Calibri"/>
+              <a:latin typeface="Arial"/>
             </a:endParaRPr>
           </a:p>
         </p:txBody>
@@ -1981,7 +1981,7 @@
             <a:spLocks noGrp="1"/>
           </p:cNvSpPr>
           <p:nvPr>
-            <p:ph type="ftr" idx="2"/>
+            <p:ph type="ftr" idx="1"/>
           </p:nvPr>
         </p:nvSpPr>
         <p:spPr/>
@@ -2001,14 +2001,14 @@
             <a:spLocks noGrp="1"/>
           </p:cNvSpPr>
           <p:nvPr>
-            <p:ph type="sldNum" idx="3"/>
+            <p:ph type="sldNum" idx="2"/>
           </p:nvPr>
         </p:nvSpPr>
         <p:spPr/>
         <p:txBody>
           <a:bodyPr/>
           <a:p>
-            <a:fld id="{49A88517-2895-4EB5-94ED-4AE5D4F0CCE0}" type="slidenum">
+            <a:fld id="{95016921-0A5C-4462-AE97-F6C90BF4F828}" type="slidenum">
               <a:t>&lt;#&gt;</a:t>
             </a:fld>
           </a:p>
@@ -2021,7 +2021,7 @@
             <a:spLocks noGrp="1"/>
           </p:cNvSpPr>
           <p:nvPr>
-            <p:ph type="dt" idx="1"/>
+            <p:ph type="dt" idx="3"/>
           </p:nvPr>
         </p:nvSpPr>
         <p:spPr/>
@@ -2069,8 +2069,8 @@
         </p:nvSpPr>
         <p:spPr>
           <a:xfrm>
-            <a:off x="609480" y="273600"/>
-            <a:ext cx="10972440" cy="1144800"/>
+            <a:off x="457200" y="205200"/>
+            <a:ext cx="8229240" cy="859320"/>
           </a:xfrm>
           <a:prstGeom prst="rect">
             <a:avLst/>
@@ -2089,7 +2089,7 @@
               <a:solidFill>
                 <a:srgbClr val="000000"/>
               </a:solidFill>
-              <a:latin typeface="Calibri"/>
+              <a:latin typeface="Arial"/>
             </a:endParaRPr>
           </a:p>
         </p:txBody>
@@ -2106,8 +2106,8 @@
         </p:nvSpPr>
         <p:spPr>
           <a:xfrm>
-            <a:off x="609480" y="1604520"/>
-            <a:ext cx="5354280" cy="3977280"/>
+            <a:off x="457200" y="1204560"/>
+            <a:ext cx="4015800" cy="2985480"/>
           </a:xfrm>
           <a:prstGeom prst="rect">
             <a:avLst/>
@@ -2135,7 +2135,7 @@
               <a:solidFill>
                 <a:srgbClr val="000000"/>
               </a:solidFill>
-              <a:latin typeface="Calibri"/>
+              <a:latin typeface="Arial"/>
             </a:endParaRPr>
           </a:p>
         </p:txBody>
@@ -2152,8 +2152,8 @@
         </p:nvSpPr>
         <p:spPr>
           <a:xfrm>
-            <a:off x="6231960" y="1604520"/>
-            <a:ext cx="5354280" cy="1896840"/>
+            <a:off x="4674240" y="1204560"/>
+            <a:ext cx="4015800" cy="1423800"/>
           </a:xfrm>
           <a:prstGeom prst="rect">
             <a:avLst/>
@@ -2181,7 +2181,7 @@
               <a:solidFill>
                 <a:srgbClr val="000000"/>
               </a:solidFill>
-              <a:latin typeface="Calibri"/>
+              <a:latin typeface="Arial"/>
             </a:endParaRPr>
           </a:p>
         </p:txBody>
@@ -2198,8 +2198,8 @@
         </p:nvSpPr>
         <p:spPr>
           <a:xfrm>
-            <a:off x="6231960" y="3682080"/>
-            <a:ext cx="5354280" cy="1896840"/>
+            <a:off x="4674240" y="2764080"/>
+            <a:ext cx="4015800" cy="1423800"/>
           </a:xfrm>
           <a:prstGeom prst="rect">
             <a:avLst/>
@@ -2227,7 +2227,7 @@
               <a:solidFill>
                 <a:srgbClr val="000000"/>
               </a:solidFill>
-              <a:latin typeface="Calibri"/>
+              <a:latin typeface="Arial"/>
             </a:endParaRPr>
           </a:p>
         </p:txBody>
@@ -2239,7 +2239,7 @@
             <a:spLocks noGrp="1"/>
           </p:cNvSpPr>
           <p:nvPr>
-            <p:ph type="ftr" idx="2"/>
+            <p:ph type="ftr" idx="1"/>
           </p:nvPr>
         </p:nvSpPr>
         <p:spPr/>
@@ -2259,14 +2259,14 @@
             <a:spLocks noGrp="1"/>
           </p:cNvSpPr>
           <p:nvPr>
-            <p:ph type="sldNum" idx="3"/>
+            <p:ph type="sldNum" idx="2"/>
           </p:nvPr>
         </p:nvSpPr>
         <p:spPr/>
         <p:txBody>
           <a:bodyPr/>
           <a:p>
-            <a:fld id="{EEF54F33-D42C-4875-95B5-B35A6F73AC1D}" type="slidenum">
+            <a:fld id="{BBD8D17E-2449-4438-B1B8-792AED1B8DDA}" type="slidenum">
               <a:t>&lt;#&gt;</a:t>
             </a:fld>
           </a:p>
@@ -2279,7 +2279,7 @@
             <a:spLocks noGrp="1"/>
           </p:cNvSpPr>
           <p:nvPr>
-            <p:ph type="dt" idx="1"/>
+            <p:ph type="dt" idx="3"/>
           </p:nvPr>
         </p:nvSpPr>
         <p:spPr/>
@@ -2327,8 +2327,8 @@
         </p:nvSpPr>
         <p:spPr>
           <a:xfrm>
-            <a:off x="609480" y="273600"/>
-            <a:ext cx="10972440" cy="1144800"/>
+            <a:off x="457200" y="205200"/>
+            <a:ext cx="8229240" cy="859320"/>
           </a:xfrm>
           <a:prstGeom prst="rect">
             <a:avLst/>
@@ -2347,7 +2347,7 @@
               <a:solidFill>
                 <a:srgbClr val="000000"/>
               </a:solidFill>
-              <a:latin typeface="Calibri"/>
+              <a:latin typeface="Arial"/>
             </a:endParaRPr>
           </a:p>
         </p:txBody>
@@ -2364,8 +2364,8 @@
         </p:nvSpPr>
         <p:spPr>
           <a:xfrm>
-            <a:off x="609480" y="1604520"/>
-            <a:ext cx="5354280" cy="1896840"/>
+            <a:off x="457200" y="1204560"/>
+            <a:ext cx="4015800" cy="1423800"/>
           </a:xfrm>
           <a:prstGeom prst="rect">
             <a:avLst/>
@@ -2393,7 +2393,7 @@
               <a:solidFill>
                 <a:srgbClr val="000000"/>
               </a:solidFill>
-              <a:latin typeface="Calibri"/>
+              <a:latin typeface="Arial"/>
             </a:endParaRPr>
           </a:p>
         </p:txBody>
@@ -2410,8 +2410,8 @@
         </p:nvSpPr>
         <p:spPr>
           <a:xfrm>
-            <a:off x="6231960" y="1604520"/>
-            <a:ext cx="5354280" cy="1896840"/>
+            <a:off x="4674240" y="1204560"/>
+            <a:ext cx="4015800" cy="1423800"/>
           </a:xfrm>
           <a:prstGeom prst="rect">
             <a:avLst/>
@@ -2439,7 +2439,7 @@
               <a:solidFill>
                 <a:srgbClr val="000000"/>
               </a:solidFill>
-              <a:latin typeface="Calibri"/>
+              <a:latin typeface="Arial"/>
             </a:endParaRPr>
           </a:p>
         </p:txBody>
@@ -2456,8 +2456,8 @@
         </p:nvSpPr>
         <p:spPr>
           <a:xfrm>
-            <a:off x="609480" y="3682080"/>
-            <a:ext cx="10972440" cy="1896840"/>
+            <a:off x="457200" y="2764080"/>
+            <a:ext cx="8229240" cy="1423800"/>
           </a:xfrm>
           <a:prstGeom prst="rect">
             <a:avLst/>
@@ -2485,7 +2485,7 @@
               <a:solidFill>
                 <a:srgbClr val="000000"/>
               </a:solidFill>
-              <a:latin typeface="Calibri"/>
+              <a:latin typeface="Arial"/>
             </a:endParaRPr>
           </a:p>
         </p:txBody>
@@ -2497,7 +2497,7 @@
             <a:spLocks noGrp="1"/>
           </p:cNvSpPr>
           <p:nvPr>
-            <p:ph type="ftr" idx="2"/>
+            <p:ph type="ftr" idx="1"/>
           </p:nvPr>
         </p:nvSpPr>
         <p:spPr/>
@@ -2517,14 +2517,14 @@
             <a:spLocks noGrp="1"/>
           </p:cNvSpPr>
           <p:nvPr>
-            <p:ph type="sldNum" idx="3"/>
+            <p:ph type="sldNum" idx="2"/>
           </p:nvPr>
         </p:nvSpPr>
         <p:spPr/>
         <p:txBody>
           <a:bodyPr/>
           <a:p>
-            <a:fld id="{7C96A728-4989-468E-8DC1-DF0693F4C3CA}" type="slidenum">
+            <a:fld id="{4AE0132B-A376-4BFC-AACA-D03F839D3796}" type="slidenum">
               <a:t>&lt;#&gt;</a:t>
             </a:fld>
           </a:p>
@@ -2537,7 +2537,7 @@
             <a:spLocks noGrp="1"/>
           </p:cNvSpPr>
           <p:nvPr>
-            <p:ph type="dt" idx="1"/>
+            <p:ph type="dt" idx="3"/>
           </p:nvPr>
         </p:nvSpPr>
         <p:spPr/>
@@ -2587,24 +2587,154 @@
             <a:spLocks noGrp="1"/>
           </p:cNvSpPr>
           <p:nvPr>
-            <p:ph type="dt" idx="1"/>
-          </p:nvPr>
-        </p:nvSpPr>
-        <p:spPr>
-          <a:xfrm>
-            <a:off x="838080" y="6356520"/>
-            <a:ext cx="2742840" cy="364680"/>
-          </a:xfrm>
-          <a:prstGeom prst="rect">
-            <a:avLst/>
-          </a:prstGeom>
-          <a:noFill/>
-          <a:ln w="0">
-            <a:noFill/>
-          </a:ln>
-        </p:spPr>
-        <p:txBody>
-          <a:bodyPr anchor="ctr">
+            <p:ph type="ftr" idx="1"/>
+          </p:nvPr>
+        </p:nvSpPr>
+        <p:spPr>
+          <a:xfrm>
+            <a:off x="3027960" y="4770720"/>
+            <a:ext cx="3085560" cy="273600"/>
+          </a:xfrm>
+          <a:prstGeom prst="rect">
+            <a:avLst/>
+          </a:prstGeom>
+          <a:noFill/>
+          <a:ln w="0">
+            <a:noFill/>
+          </a:ln>
+        </p:spPr>
+        <p:txBody>
+          <a:bodyPr lIns="90000" rIns="90000" tIns="45000" bIns="45000" anchor="ctr">
+            <a:noAutofit/>
+          </a:bodyPr>
+          <a:lstStyle>
+            <a:lvl1pPr algn="ctr">
+              <a:lnSpc>
+                <a:spcPct val="100000"/>
+              </a:lnSpc>
+              <a:buNone/>
+              <a:defRPr b="0" lang="en-US" sz="1400" spc="-1" strike="noStrike">
+                <a:solidFill>
+                  <a:srgbClr val="000000"/>
+                </a:solidFill>
+                <a:latin typeface="Times New Roman"/>
+                <a:ea typeface="DejaVu Sans"/>
+              </a:defRPr>
+            </a:lvl1pPr>
+          </a:lstStyle>
+          <a:p>
+            <a:pPr algn="ctr">
+              <a:lnSpc>
+                <a:spcPct val="100000"/>
+              </a:lnSpc>
+              <a:buNone/>
+            </a:pPr>
+            <a:r>
+              <a:rPr b="0" lang="en-US" sz="1400" spc="-1" strike="noStrike">
+                <a:solidFill>
+                  <a:srgbClr val="000000"/>
+                </a:solidFill>
+                <a:latin typeface="Times New Roman"/>
+                <a:ea typeface="DejaVu Sans"/>
+              </a:rPr>
+              <a:t> </a:t>
+            </a:r>
+            <a:endParaRPr b="0" lang="en-US" sz="1400" spc="-1" strike="noStrike">
+              <a:latin typeface="Times New Roman"/>
+            </a:endParaRPr>
+          </a:p>
+        </p:txBody>
+      </p:sp>
+      <p:sp>
+        <p:nvSpPr>
+          <p:cNvPr id="1" name="PlaceHolder 2"/>
+          <p:cNvSpPr>
+            <a:spLocks noGrp="1"/>
+          </p:cNvSpPr>
+          <p:nvPr>
+            <p:ph type="sldNum" idx="2"/>
+          </p:nvPr>
+        </p:nvSpPr>
+        <p:spPr>
+          <a:xfrm>
+            <a:off x="6456960" y="4770720"/>
+            <a:ext cx="2056680" cy="273600"/>
+          </a:xfrm>
+          <a:prstGeom prst="rect">
+            <a:avLst/>
+          </a:prstGeom>
+          <a:noFill/>
+          <a:ln w="0">
+            <a:noFill/>
+          </a:ln>
+        </p:spPr>
+        <p:txBody>
+          <a:bodyPr lIns="90000" rIns="90000" tIns="45000" bIns="45000" anchor="ctr">
+            <a:noAutofit/>
+          </a:bodyPr>
+          <a:lstStyle>
+            <a:lvl1pPr algn="r">
+              <a:lnSpc>
+                <a:spcPct val="100000"/>
+              </a:lnSpc>
+              <a:buNone/>
+              <a:defRPr b="0" lang="ru-RU" sz="1200" spc="-1" strike="noStrike">
+                <a:solidFill>
+                  <a:srgbClr val="8b8b8b"/>
+                </a:solidFill>
+                <a:latin typeface="Calibri"/>
+                <a:ea typeface="DejaVu Sans"/>
+              </a:defRPr>
+            </a:lvl1pPr>
+          </a:lstStyle>
+          <a:p>
+            <a:pPr algn="r">
+              <a:lnSpc>
+                <a:spcPct val="100000"/>
+              </a:lnSpc>
+              <a:buNone/>
+            </a:pPr>
+            <a:fld id="{714EF8F5-6B9B-45D9-AE07-3E1FEAB212A3}" type="slidenum">
+              <a:rPr b="0" lang="ru-RU" sz="1200" spc="-1" strike="noStrike">
+                <a:solidFill>
+                  <a:srgbClr val="8b8b8b"/>
+                </a:solidFill>
+                <a:latin typeface="Calibri"/>
+                <a:ea typeface="DejaVu Sans"/>
+              </a:rPr>
+              <a:t>1</a:t>
+            </a:fld>
+            <a:endParaRPr b="0" lang="en-US" sz="1200" spc="-1" strike="noStrike">
+              <a:latin typeface="Times New Roman"/>
+            </a:endParaRPr>
+          </a:p>
+        </p:txBody>
+      </p:sp>
+      <p:sp>
+        <p:nvSpPr>
+          <p:cNvPr id="2" name="PlaceHolder 3"/>
+          <p:cNvSpPr>
+            <a:spLocks noGrp="1"/>
+          </p:cNvSpPr>
+          <p:nvPr>
+            <p:ph type="dt" idx="3"/>
+          </p:nvPr>
+        </p:nvSpPr>
+        <p:spPr>
+          <a:xfrm>
+            <a:off x="627840" y="4770720"/>
+            <a:ext cx="2056680" cy="273600"/>
+          </a:xfrm>
+          <a:prstGeom prst="rect">
+            <a:avLst/>
+          </a:prstGeom>
+          <a:noFill/>
+          <a:ln w="0">
+            <a:noFill/>
+          </a:ln>
+        </p:spPr>
+        <p:txBody>
+          <a:bodyPr lIns="90000" rIns="90000" tIns="45000" bIns="45000" anchor="ctr">
             <a:noAutofit/>
           </a:bodyPr>
           <a:lstStyle>
@@ -2629,98 +2759,6 @@
       </p:sp>
       <p:sp>
         <p:nvSpPr>
-          <p:cNvPr id="1" name="PlaceHolder 2"/>
-          <p:cNvSpPr>
-            <a:spLocks noGrp="1"/>
-          </p:cNvSpPr>
-          <p:nvPr>
-            <p:ph type="ftr" idx="2"/>
-          </p:nvPr>
-        </p:nvSpPr>
-        <p:spPr>
-          <a:xfrm>
-            <a:off x="4038480" y="6356520"/>
-            <a:ext cx="4114440" cy="364680"/>
-          </a:xfrm>
-          <a:prstGeom prst="rect">
-            <a:avLst/>
-          </a:prstGeom>
-          <a:noFill/>
-          <a:ln w="0">
-            <a:noFill/>
-          </a:ln>
-        </p:spPr>
-        <p:txBody>
-          <a:bodyPr anchor="ctr">
-            <a:noAutofit/>
-          </a:bodyPr>
-          <a:lstStyle>
-            <a:lvl1pPr algn="ctr">
-              <a:buNone/>
-              <a:defRPr b="0" lang="en-US" sz="1400" spc="-1" strike="noStrike">
-                <a:latin typeface="Times New Roman"/>
-              </a:defRPr>
-            </a:lvl1pPr>
-          </a:lstStyle>
-          <a:p>
-            <a:pPr algn="ctr">
-              <a:buNone/>
-            </a:pPr>
-            <a:r>
-              <a:rPr b="0" lang="en-US" sz="1400" spc="-1" strike="noStrike">
-                <a:latin typeface="Times New Roman"/>
-              </a:rPr>
-              <a:t>&lt;footer&gt;</a:t>
-            </a:r>
-            <a:endParaRPr b="0" lang="en-US" sz="1400" spc="-1" strike="noStrike">
-              <a:latin typeface="Times New Roman"/>
-            </a:endParaRPr>
-          </a:p>
-        </p:txBody>
-      </p:sp>
-      <p:sp>
-        <p:nvSpPr>
-          <p:cNvPr id="2" name="PlaceHolder 3"/>
-          <p:cNvSpPr>
-            <a:spLocks noGrp="1"/>
-          </p:cNvSpPr>
-          <p:nvPr>
-            <p:ph type="sldNum" idx="3"/>
-          </p:nvPr>
-        </p:nvSpPr>
-        <p:spPr>
-          <a:xfrm>
-            <a:off x="8610480" y="6356520"/>
-            <a:ext cx="2742840" cy="364680"/>
-          </a:xfrm>
-          <a:prstGeom prst="rect">
-            <a:avLst/>
-          </a:prstGeom>
-          <a:noFill/>
-          <a:ln w="0">
-            <a:noFill/>
-          </a:ln>
-        </p:spPr>
-        <p:txBody>
-          <a:bodyPr anchor="ctr">
-            <a:noAutofit/>
-          </a:bodyPr>
-          <a:lstStyle>
-            <a:lvl1pPr>
-              <a:defRPr b="0" lang="en-US" sz="2400" spc="-1" strike="noStrike">
-                <a:latin typeface="Times New Roman"/>
-              </a:defRPr>
-            </a:lvl1pPr>
-          </a:lstStyle>
-          <a:p>
-            <a:endParaRPr b="0" lang="en-US" sz="2400" spc="-1" strike="noStrike">
-              <a:latin typeface="Times New Roman"/>
-            </a:endParaRPr>
-          </a:p>
-        </p:txBody>
-      </p:sp>
-      <p:sp>
-        <p:nvSpPr>
           <p:cNvPr id="3" name="PlaceHolder 4"/>
           <p:cNvSpPr>
             <a:spLocks noGrp="1"/>
@@ -2731,8 +2769,8 @@
         </p:nvSpPr>
         <p:spPr>
           <a:xfrm>
-            <a:off x="609480" y="273600"/>
-            <a:ext cx="10972440" cy="1144800"/>
+            <a:off x="457200" y="205200"/>
+            <a:ext cx="8229240" cy="859320"/>
           </a:xfrm>
           <a:prstGeom prst="rect">
             <a:avLst/>
@@ -2752,7 +2790,7 @@
                 <a:solidFill>
                   <a:srgbClr val="000000"/>
                 </a:solidFill>
-                <a:latin typeface="Calibri"/>
+                <a:latin typeface="Arial"/>
               </a:rPr>
               <a:t>Click to edit the title text format</a:t>
             </a:r>
@@ -2760,7 +2798,7 @@
               <a:solidFill>
                 <a:srgbClr val="000000"/>
               </a:solidFill>
-              <a:latin typeface="Calibri"/>
+              <a:latin typeface="Arial"/>
             </a:endParaRPr>
           </a:p>
         </p:txBody>
@@ -2777,8 +2815,8 @@
         </p:nvSpPr>
         <p:spPr>
           <a:xfrm>
-            <a:off x="609480" y="1604520"/>
-            <a:ext cx="10972440" cy="3977280"/>
+            <a:off x="457200" y="1204560"/>
+            <a:ext cx="8229240" cy="2985480"/>
           </a:xfrm>
           <a:prstGeom prst="rect">
             <a:avLst/>
@@ -2812,7 +2850,7 @@
                 <a:solidFill>
                   <a:srgbClr val="000000"/>
                 </a:solidFill>
-                <a:latin typeface="Calibri"/>
+                <a:latin typeface="Arial"/>
               </a:rPr>
               <a:t>Click to edit the outline text format</a:t>
             </a:r>
@@ -2820,7 +2858,7 @@
               <a:solidFill>
                 <a:srgbClr val="000000"/>
               </a:solidFill>
-              <a:latin typeface="Calibri"/>
+              <a:latin typeface="Arial"/>
             </a:endParaRPr>
           </a:p>
           <a:p>
@@ -2843,7 +2881,7 @@
                 <a:solidFill>
                   <a:srgbClr val="000000"/>
                 </a:solidFill>
-                <a:latin typeface="Calibri"/>
+                <a:latin typeface="Arial"/>
               </a:rPr>
               <a:t>Second Outline Level</a:t>
             </a:r>
@@ -2851,7 +2889,7 @@
               <a:solidFill>
                 <a:srgbClr val="000000"/>
               </a:solidFill>
-              <a:latin typeface="Calibri"/>
+              <a:latin typeface="Arial"/>
             </a:endParaRPr>
           </a:p>
           <a:p>
@@ -2874,7 +2912,7 @@
                 <a:solidFill>
                   <a:srgbClr val="000000"/>
                 </a:solidFill>
-                <a:latin typeface="Calibri"/>
+                <a:latin typeface="Arial"/>
               </a:rPr>
               <a:t>Third Outline Level</a:t>
             </a:r>
@@ -2882,7 +2920,7 @@
               <a:solidFill>
                 <a:srgbClr val="000000"/>
               </a:solidFill>
-              <a:latin typeface="Calibri"/>
+              <a:latin typeface="Arial"/>
             </a:endParaRPr>
           </a:p>
           <a:p>
@@ -2905,7 +2943,7 @@
                 <a:solidFill>
                   <a:srgbClr val="000000"/>
                 </a:solidFill>
-                <a:latin typeface="Calibri"/>
+                <a:latin typeface="Arial"/>
               </a:rPr>
               <a:t>Fourth Outline Level</a:t>
             </a:r>
@@ -2913,7 +2951,7 @@
               <a:solidFill>
                 <a:srgbClr val="000000"/>
               </a:solidFill>
-              <a:latin typeface="Calibri"/>
+              <a:latin typeface="Arial"/>
             </a:endParaRPr>
           </a:p>
           <a:p>
@@ -2936,7 +2974,7 @@
                 <a:solidFill>
                   <a:srgbClr val="000000"/>
                 </a:solidFill>
-                <a:latin typeface="Calibri"/>
+                <a:latin typeface="Arial"/>
               </a:rPr>
               <a:t>Fifth Outline Level</a:t>
             </a:r>
@@ -2944,7 +2982,7 @@
               <a:solidFill>
                 <a:srgbClr val="000000"/>
               </a:solidFill>
-              <a:latin typeface="Calibri"/>
+              <a:latin typeface="Arial"/>
             </a:endParaRPr>
           </a:p>
           <a:p>
@@ -2967,7 +3005,7 @@
                 <a:solidFill>
                   <a:srgbClr val="000000"/>
                 </a:solidFill>
-                <a:latin typeface="Calibri"/>
+                <a:latin typeface="Arial"/>
               </a:rPr>
               <a:t>Sixth Outline Level</a:t>
             </a:r>
@@ -2975,7 +3013,7 @@
               <a:solidFill>
                 <a:srgbClr val="000000"/>
               </a:solidFill>
-              <a:latin typeface="Calibri"/>
+              <a:latin typeface="Arial"/>
             </a:endParaRPr>
           </a:p>
           <a:p>
@@ -2998,7 +3036,7 @@
                 <a:solidFill>
                   <a:srgbClr val="000000"/>
                 </a:solidFill>
-                <a:latin typeface="Calibri"/>
+                <a:latin typeface="Arial"/>
               </a:rPr>
               <a:t>Seventh Outline Level</a:t>
             </a:r>
@@ -3006,7 +3044,7 @@
               <a:solidFill>
                 <a:srgbClr val="000000"/>
               </a:solidFill>
-              <a:latin typeface="Calibri"/>
+              <a:latin typeface="Arial"/>
             </a:endParaRPr>
           </a:p>
         </p:txBody>
@@ -3034,6 +3072,13 @@
 <file path=ppt/slides/slide1.xml><?xml version="1.0" encoding="utf-8"?>
 <p:sld xmlns:a="http://schemas.openxmlformats.org/drawingml/2006/main" xmlns:p="http://schemas.openxmlformats.org/presentationml/2006/main" xmlns:r="http://schemas.openxmlformats.org/officeDocument/2006/relationships" xmlns:p14="http://schemas.microsoft.com/office/powerpoint/2010/main" xmlns:p15="http://schemas.microsoft.com/office/powerpoint/2012/main" xmlns:mc="http://schemas.openxmlformats.org/markup-compatibility/2006">
   <p:cSld>
+    <p:bg>
+      <p:bgPr>
+        <a:solidFill>
+          <a:srgbClr val="fafaff"/>
+        </a:solidFill>
+      </p:bgPr>
+    </p:bg>
     <p:spTree>
       <p:nvGrpSpPr>
         <p:cNvPr id="1" name=""/>
@@ -3048,60 +3093,9 @@
           <a:chExt cx="0" cy="0"/>
         </a:xfrm>
       </p:grpSpPr>
-      <p:sp>
-        <p:nvSpPr>
-          <p:cNvPr id="41" name="Прямоугольник 36"/>
-          <p:cNvSpPr/>
-          <p:nvPr/>
-        </p:nvSpPr>
-        <p:spPr>
-          <a:xfrm>
-            <a:off x="482760" y="1967040"/>
-            <a:ext cx="7606800" cy="2214360"/>
-          </a:xfrm>
-          <a:prstGeom prst="rect">
-            <a:avLst/>
-          </a:prstGeom>
-          <a:noFill/>
-          <a:ln w="0">
-            <a:noFill/>
-          </a:ln>
-        </p:spPr>
-        <p:style>
-          <a:lnRef idx="0"/>
-          <a:fillRef idx="0"/>
-          <a:effectRef idx="0"/>
-          <a:fontRef idx="minor"/>
-        </p:style>
-        <p:txBody>
-          <a:bodyPr lIns="90000" rIns="90000" tIns="45000" bIns="45000" anchor="t">
-            <a:normAutofit/>
-          </a:bodyPr>
-          <a:p>
-            <a:pPr>
-              <a:lnSpc>
-                <a:spcPct val="100000"/>
-              </a:lnSpc>
-              <a:buNone/>
-            </a:pPr>
-            <a:r>
-              <a:rPr b="1" lang="en-US" sz="4600" spc="-1" strike="noStrike">
-                <a:solidFill>
-                  <a:srgbClr val="000000"/>
-                </a:solidFill>
-                <a:latin typeface="Arial Black"/>
-              </a:rPr>
-              <a:t>TITLE</a:t>
-            </a:r>
-            <a:endParaRPr b="0" lang="en-US" sz="4600" spc="-1" strike="noStrike">
-              <a:latin typeface="Arial"/>
-            </a:endParaRPr>
-          </a:p>
-        </p:txBody>
-      </p:sp>
       <p:pic>
         <p:nvPicPr>
-          <p:cNvPr id="42" name="Рисунок 6" descr=""/>
+          <p:cNvPr id="41" name="Рисунок 6" descr=""/>
           <p:cNvPicPr/>
           <p:nvPr/>
         </p:nvPicPr>
@@ -3111,8 +3105,8 @@
         </p:blipFill>
         <p:spPr>
           <a:xfrm>
-            <a:off x="8305560" y="1917720"/>
-            <a:ext cx="3022560" cy="3022560"/>
+            <a:off x="6228360" y="1438560"/>
+            <a:ext cx="2266920" cy="2268720"/>
           </a:xfrm>
           <a:prstGeom prst="rect">
             <a:avLst/>
@@ -3124,14 +3118,14 @@
       </p:pic>
       <p:sp>
         <p:nvSpPr>
-          <p:cNvPr id="43" name="Прямая соединительная линия 10"/>
+          <p:cNvPr id="42" name="Прямая соединительная линия 10"/>
           <p:cNvSpPr/>
           <p:nvPr/>
         </p:nvSpPr>
         <p:spPr>
           <a:xfrm>
-            <a:off x="11544120" y="3429000"/>
-            <a:ext cx="775800" cy="13680"/>
+            <a:off x="8657280" y="2572920"/>
+            <a:ext cx="581760" cy="10440"/>
           </a:xfrm>
           <a:prstGeom prst="line">
             <a:avLst/>
@@ -3160,7 +3154,7 @@
       </p:sp>
       <p:pic>
         <p:nvPicPr>
-          <p:cNvPr id="44" name="Рисунок 8" descr=""/>
+          <p:cNvPr id="43" name="Рисунок 8" descr=""/>
           <p:cNvPicPr/>
           <p:nvPr/>
         </p:nvPicPr>
@@ -3170,8 +3164,145 @@
         </p:blipFill>
         <p:spPr>
           <a:xfrm>
-            <a:off x="0" y="368640"/>
-            <a:ext cx="1923840" cy="552240"/>
+            <a:off x="0" y="275760"/>
+            <a:ext cx="1442520" cy="414360"/>
+          </a:xfrm>
+          <a:prstGeom prst="rect">
+            <a:avLst/>
+          </a:prstGeom>
+          <a:ln w="0">
+            <a:noFill/>
+          </a:ln>
+        </p:spPr>
+      </p:pic>
+      <p:sp>
+        <p:nvSpPr>
+          <p:cNvPr id="44" name="TextBox 9"/>
+          <p:cNvSpPr/>
+          <p:nvPr/>
+        </p:nvSpPr>
+        <p:spPr>
+          <a:xfrm>
+            <a:off x="361080" y="1477080"/>
+            <a:ext cx="5426280" cy="2229840"/>
+          </a:xfrm>
+          <a:prstGeom prst="rect">
+            <a:avLst/>
+          </a:prstGeom>
+          <a:noFill/>
+          <a:ln w="0">
+            <a:noFill/>
+          </a:ln>
+        </p:spPr>
+        <p:style>
+          <a:lnRef idx="0"/>
+          <a:fillRef idx="0"/>
+          <a:effectRef idx="0"/>
+          <a:fontRef idx="minor"/>
+        </p:style>
+        <p:txBody>
+          <a:bodyPr lIns="90000" rIns="90000" tIns="45000" bIns="45000" anchor="t">
+            <a:noAutofit/>
+          </a:bodyPr>
+          <a:p>
+            <a:pPr>
+              <a:lnSpc>
+                <a:spcPct val="100000"/>
+              </a:lnSpc>
+              <a:buNone/>
+            </a:pPr>
+            <a:r>
+              <a:rPr b="1" lang="en-US" sz="3400" spc="-1" strike="noStrike">
+                <a:solidFill>
+                  <a:srgbClr val="262626"/>
+                </a:solidFill>
+                <a:latin typeface="Arial Black"/>
+                <a:ea typeface="DejaVu Sans"/>
+              </a:rPr>
+              <a:t>TITLE</a:t>
+            </a:r>
+            <a:endParaRPr b="0" lang="en-US" sz="3400" spc="-1" strike="noStrike">
+              <a:latin typeface="Arial"/>
+            </a:endParaRPr>
+          </a:p>
+        </p:txBody>
+      </p:sp>
+      <p:sp>
+        <p:nvSpPr>
+          <p:cNvPr id="45" name="Прямоугольник 7"/>
+          <p:cNvSpPr/>
+          <p:nvPr/>
+        </p:nvSpPr>
+        <p:spPr>
+          <a:xfrm>
+            <a:off x="460080" y="4669560"/>
+            <a:ext cx="2999160" cy="269640"/>
+          </a:xfrm>
+          <a:prstGeom prst="rect">
+            <a:avLst/>
+          </a:prstGeom>
+          <a:noFill/>
+          <a:ln w="0">
+            <a:noFill/>
+          </a:ln>
+        </p:spPr>
+        <p:style>
+          <a:lnRef idx="0"/>
+          <a:fillRef idx="0"/>
+          <a:effectRef idx="0"/>
+          <a:fontRef idx="minor"/>
+        </p:style>
+        <p:txBody>
+          <a:bodyPr lIns="90000" rIns="90000" tIns="45000" bIns="45000" anchor="t">
+            <a:noAutofit/>
+          </a:bodyPr>
+          <a:p>
+            <a:pPr>
+              <a:lnSpc>
+                <a:spcPts val="1650"/>
+              </a:lnSpc>
+              <a:buNone/>
+            </a:pPr>
+            <a:r>
+              <a:rPr b="0" lang="ru-RU" sz="900" spc="-1" strike="noStrike">
+                <a:solidFill>
+                  <a:srgbClr val="595959"/>
+                </a:solidFill>
+                <a:latin typeface="Arial"/>
+                <a:ea typeface="DejaVu Sans"/>
+              </a:rPr>
+              <a:t>Презентация создана в </a:t>
+            </a:r>
+            <a:r>
+              <a:rPr b="0" lang="en-US" sz="900" spc="-1" strike="noStrike">
+                <a:solidFill>
+                  <a:srgbClr val="595959"/>
+                </a:solidFill>
+                <a:latin typeface="Arial"/>
+                <a:ea typeface="DejaVu Sans"/>
+              </a:rPr>
+              <a:t>Fibonacci</a:t>
+            </a:r>
+            <a:endParaRPr b="0" lang="en-US" sz="900" spc="-1" strike="noStrike">
+              <a:latin typeface="Arial"/>
+            </a:endParaRPr>
+          </a:p>
+        </p:txBody>
+      </p:sp>
+      <p:pic>
+        <p:nvPicPr>
+          <p:cNvPr id="46" name="Рисунок 8" descr=""/>
+          <p:cNvPicPr/>
+          <p:nvPr/>
+        </p:nvPicPr>
+        <p:blipFill>
+          <a:blip r:embed="rId3"/>
+          <a:stretch/>
+        </p:blipFill>
+        <p:spPr>
+          <a:xfrm>
+            <a:off x="2423160" y="4670280"/>
+            <a:ext cx="291240" cy="291240"/>
           </a:xfrm>
           <a:prstGeom prst="rect">
             <a:avLst/>
